--- a/docs/Report V1.pptx
+++ b/docs/Report V1.pptx
@@ -11272,7 +11272,7 @@
         </p:nvSpPr>
         <p:spPr>
           <a:xfrm>
-            <a:off x="2743200" y="583883"/>
+            <a:off x="2854518" y="257879"/>
             <a:ext cx="5351228" cy="745704"/>
           </a:xfrm>
           <a:prstGeom prst="rect">
@@ -11516,7 +11516,15 @@
             <a:pPr algn="r" rtl="1"/>
             <a:r>
               <a:rPr lang="he-IL" sz="4800" baseline="30000" dirty="0"/>
-              <a:t>תיקוף תרשים ה-</a:t>
+              <a:t>תיקוף תרשים</a:t>
+            </a:r>
+            <a:r>
+              <a:rPr lang="en-US" sz="4800" baseline="30000" dirty="0"/>
+              <a:t> </a:t>
+            </a:r>
+            <a:r>
+              <a:rPr lang="he-IL" sz="4800" baseline="30000" dirty="0"/>
+              <a:t> ה-</a:t>
             </a:r>
             <a:r>
               <a:rPr lang="en-US" sz="4800" baseline="30000" dirty="0"/>
@@ -11550,6 +11558,36 @@
           <a:xfrm>
             <a:off x="0" y="4373217"/>
             <a:ext cx="1112630" cy="770283"/>
+          </a:xfrm>
+          <a:prstGeom prst="rect">
+            <a:avLst/>
+          </a:prstGeom>
+        </p:spPr>
+      </p:pic>
+      <p:pic>
+        <p:nvPicPr>
+          <p:cNvPr id="3" name="תמונה 2">
+            <a:extLst>
+              <a:ext uri="{FF2B5EF4-FFF2-40B4-BE49-F238E27FC236}">
+                <a16:creationId xmlns:a16="http://schemas.microsoft.com/office/drawing/2014/main" id="{A2324132-7E41-45B4-8B39-8D9AF5EC2F5E}"/>
+              </a:ext>
+            </a:extLst>
+          </p:cNvPr>
+          <p:cNvPicPr>
+            <a:picLocks noChangeAspect="1"/>
+          </p:cNvPicPr>
+          <p:nvPr/>
+        </p:nvPicPr>
+        <p:blipFill>
+          <a:blip r:embed="rId4"/>
+          <a:stretch>
+            <a:fillRect/>
+          </a:stretch>
+        </p:blipFill>
+        <p:spPr>
+          <a:xfrm>
+            <a:off x="1112630" y="834887"/>
+            <a:ext cx="7501279" cy="4308613"/>
           </a:xfrm>
           <a:prstGeom prst="rect">
             <a:avLst/>
@@ -11611,7 +11649,7 @@
         </p:spPr>
         <p:txBody>
           <a:bodyPr anchor="b">
-            <a:normAutofit/>
+            <a:normAutofit fontScale="77500" lnSpcReduction="20000"/>
           </a:bodyPr>
           <a:lstStyle>
             <a:defPPr marR="0" lvl="0" algn="l" rtl="0">
@@ -11846,7 +11884,14 @@
             <a:pPr algn="r" rtl="1"/>
             <a:r>
               <a:rPr lang="he-IL" sz="4800" baseline="30000" dirty="0"/>
-              <a:t>תיקוף תרשים ארכיטקטורה</a:t>
+              <a:t>תיקוף תרשים</a:t>
+            </a:r>
+          </a:p>
+          <a:p>
+            <a:pPr algn="r" rtl="1"/>
+            <a:r>
+              <a:rPr lang="he-IL" sz="4800" baseline="30000" dirty="0"/>
+              <a:t> ארכיטקטורה</a:t>
             </a:r>
           </a:p>
         </p:txBody>
@@ -11875,6 +11920,36 @@
           <a:xfrm>
             <a:off x="0" y="4373217"/>
             <a:ext cx="1112630" cy="770283"/>
+          </a:xfrm>
+          <a:prstGeom prst="rect">
+            <a:avLst/>
+          </a:prstGeom>
+        </p:spPr>
+      </p:pic>
+      <p:pic>
+        <p:nvPicPr>
+          <p:cNvPr id="3" name="תמונה 2">
+            <a:extLst>
+              <a:ext uri="{FF2B5EF4-FFF2-40B4-BE49-F238E27FC236}">
+                <a16:creationId xmlns:a16="http://schemas.microsoft.com/office/drawing/2014/main" id="{8D549DB0-C2AA-438A-BDF9-3A1A474F40C9}"/>
+              </a:ext>
+            </a:extLst>
+          </p:cNvPr>
+          <p:cNvPicPr>
+            <a:picLocks noChangeAspect="1"/>
+          </p:cNvPicPr>
+          <p:nvPr/>
+        </p:nvPicPr>
+        <p:blipFill>
+          <a:blip r:embed="rId4"/>
+          <a:stretch>
+            <a:fillRect/>
+          </a:stretch>
+        </p:blipFill>
+        <p:spPr>
+          <a:xfrm>
+            <a:off x="1573005" y="203255"/>
+            <a:ext cx="4297838" cy="4555103"/>
           </a:xfrm>
           <a:prstGeom prst="rect">
             <a:avLst/>
@@ -13002,284 +13077,36 @@
           </a:prstGeom>
         </p:spPr>
       </p:pic>
-      <p:sp>
-        <p:nvSpPr>
-          <p:cNvPr id="4" name="מציין מיקום תוכן 2">
+      <p:pic>
+        <p:nvPicPr>
+          <p:cNvPr id="3" name="תמונה 2">
             <a:extLst>
               <a:ext uri="{FF2B5EF4-FFF2-40B4-BE49-F238E27FC236}">
-                <a16:creationId xmlns:a16="http://schemas.microsoft.com/office/drawing/2014/main" id="{41A80519-A3BF-4159-BF52-490A80EB1C1D}"/>
+                <a16:creationId xmlns:a16="http://schemas.microsoft.com/office/drawing/2014/main" id="{62F84488-4E20-4679-9196-B3AB2F77D9C9}"/>
               </a:ext>
             </a:extLst>
           </p:cNvPr>
-          <p:cNvSpPr txBox="1">
-            <a:spLocks/>
-          </p:cNvSpPr>
+          <p:cNvPicPr>
+            <a:picLocks noChangeAspect="1"/>
+          </p:cNvPicPr>
           <p:nvPr/>
-        </p:nvSpPr>
+        </p:nvPicPr>
+        <p:blipFill>
+          <a:blip r:embed="rId4"/>
+          <a:stretch>
+            <a:fillRect/>
+          </a:stretch>
+        </p:blipFill>
         <p:spPr>
           <a:xfrm>
-            <a:off x="1987824" y="1202690"/>
-            <a:ext cx="6510355" cy="3555668"/>
+            <a:off x="2858778" y="136891"/>
+            <a:ext cx="3426443" cy="4869718"/>
           </a:xfrm>
           <a:prstGeom prst="rect">
             <a:avLst/>
           </a:prstGeom>
         </p:spPr>
-        <p:txBody>
-          <a:bodyPr anchor="t">
-            <a:normAutofit/>
-          </a:bodyPr>
-          <a:lstStyle>
-            <a:defPPr marR="0" lvl="0" algn="l" rtl="0">
-              <a:lnSpc>
-                <a:spcPct val="100000"/>
-              </a:lnSpc>
-              <a:spcBef>
-                <a:spcPts val="0"/>
-              </a:spcBef>
-              <a:spcAft>
-                <a:spcPts val="0"/>
-              </a:spcAft>
-            </a:defPPr>
-            <a:lvl1pPr marR="0" lvl="0" algn="l" rtl="0">
-              <a:lnSpc>
-                <a:spcPct val="100000"/>
-              </a:lnSpc>
-              <a:spcBef>
-                <a:spcPts val="0"/>
-              </a:spcBef>
-              <a:spcAft>
-                <a:spcPts val="0"/>
-              </a:spcAft>
-              <a:buClr>
-                <a:srgbClr val="000000"/>
-              </a:buClr>
-              <a:buFont typeface="Arial"/>
-              <a:defRPr sz="1400" b="0" i="0" u="none" strike="noStrike" cap="none">
-                <a:solidFill>
-                  <a:srgbClr val="000000"/>
-                </a:solidFill>
-                <a:latin typeface="Arial"/>
-                <a:ea typeface="Arial"/>
-                <a:cs typeface="Arial"/>
-                <a:sym typeface="Arial"/>
-              </a:defRPr>
-            </a:lvl1pPr>
-            <a:lvl2pPr marR="0" lvl="1" algn="l" rtl="0">
-              <a:lnSpc>
-                <a:spcPct val="100000"/>
-              </a:lnSpc>
-              <a:spcBef>
-                <a:spcPts val="0"/>
-              </a:spcBef>
-              <a:spcAft>
-                <a:spcPts val="0"/>
-              </a:spcAft>
-              <a:buClr>
-                <a:srgbClr val="000000"/>
-              </a:buClr>
-              <a:buFont typeface="Arial"/>
-              <a:defRPr sz="1400" b="0" i="0" u="none" strike="noStrike" cap="none">
-                <a:solidFill>
-                  <a:srgbClr val="000000"/>
-                </a:solidFill>
-                <a:latin typeface="Arial"/>
-                <a:ea typeface="Arial"/>
-                <a:cs typeface="Arial"/>
-                <a:sym typeface="Arial"/>
-              </a:defRPr>
-            </a:lvl2pPr>
-            <a:lvl3pPr marR="0" lvl="2" algn="l" rtl="0">
-              <a:lnSpc>
-                <a:spcPct val="100000"/>
-              </a:lnSpc>
-              <a:spcBef>
-                <a:spcPts val="0"/>
-              </a:spcBef>
-              <a:spcAft>
-                <a:spcPts val="0"/>
-              </a:spcAft>
-              <a:buClr>
-                <a:srgbClr val="000000"/>
-              </a:buClr>
-              <a:buFont typeface="Arial"/>
-              <a:defRPr sz="1400" b="0" i="0" u="none" strike="noStrike" cap="none">
-                <a:solidFill>
-                  <a:srgbClr val="000000"/>
-                </a:solidFill>
-                <a:latin typeface="Arial"/>
-                <a:ea typeface="Arial"/>
-                <a:cs typeface="Arial"/>
-                <a:sym typeface="Arial"/>
-              </a:defRPr>
-            </a:lvl3pPr>
-            <a:lvl4pPr marR="0" lvl="3" algn="l" rtl="0">
-              <a:lnSpc>
-                <a:spcPct val="100000"/>
-              </a:lnSpc>
-              <a:spcBef>
-                <a:spcPts val="0"/>
-              </a:spcBef>
-              <a:spcAft>
-                <a:spcPts val="0"/>
-              </a:spcAft>
-              <a:buClr>
-                <a:srgbClr val="000000"/>
-              </a:buClr>
-              <a:buFont typeface="Arial"/>
-              <a:defRPr sz="1400" b="0" i="0" u="none" strike="noStrike" cap="none">
-                <a:solidFill>
-                  <a:srgbClr val="000000"/>
-                </a:solidFill>
-                <a:latin typeface="Arial"/>
-                <a:ea typeface="Arial"/>
-                <a:cs typeface="Arial"/>
-                <a:sym typeface="Arial"/>
-              </a:defRPr>
-            </a:lvl4pPr>
-            <a:lvl5pPr marR="0" lvl="4" algn="l" rtl="0">
-              <a:lnSpc>
-                <a:spcPct val="100000"/>
-              </a:lnSpc>
-              <a:spcBef>
-                <a:spcPts val="0"/>
-              </a:spcBef>
-              <a:spcAft>
-                <a:spcPts val="0"/>
-              </a:spcAft>
-              <a:buClr>
-                <a:srgbClr val="000000"/>
-              </a:buClr>
-              <a:buFont typeface="Arial"/>
-              <a:defRPr sz="1400" b="0" i="0" u="none" strike="noStrike" cap="none">
-                <a:solidFill>
-                  <a:srgbClr val="000000"/>
-                </a:solidFill>
-                <a:latin typeface="Arial"/>
-                <a:ea typeface="Arial"/>
-                <a:cs typeface="Arial"/>
-                <a:sym typeface="Arial"/>
-              </a:defRPr>
-            </a:lvl5pPr>
-            <a:lvl6pPr marR="0" lvl="5" algn="l" rtl="0">
-              <a:lnSpc>
-                <a:spcPct val="100000"/>
-              </a:lnSpc>
-              <a:spcBef>
-                <a:spcPts val="0"/>
-              </a:spcBef>
-              <a:spcAft>
-                <a:spcPts val="0"/>
-              </a:spcAft>
-              <a:buClr>
-                <a:srgbClr val="000000"/>
-              </a:buClr>
-              <a:buFont typeface="Arial"/>
-              <a:defRPr sz="1400" b="0" i="0" u="none" strike="noStrike" cap="none">
-                <a:solidFill>
-                  <a:srgbClr val="000000"/>
-                </a:solidFill>
-                <a:latin typeface="Arial"/>
-                <a:ea typeface="Arial"/>
-                <a:cs typeface="Arial"/>
-                <a:sym typeface="Arial"/>
-              </a:defRPr>
-            </a:lvl6pPr>
-            <a:lvl7pPr marR="0" lvl="6" algn="l" rtl="0">
-              <a:lnSpc>
-                <a:spcPct val="100000"/>
-              </a:lnSpc>
-              <a:spcBef>
-                <a:spcPts val="0"/>
-              </a:spcBef>
-              <a:spcAft>
-                <a:spcPts val="0"/>
-              </a:spcAft>
-              <a:buClr>
-                <a:srgbClr val="000000"/>
-              </a:buClr>
-              <a:buFont typeface="Arial"/>
-              <a:defRPr sz="1400" b="0" i="0" u="none" strike="noStrike" cap="none">
-                <a:solidFill>
-                  <a:srgbClr val="000000"/>
-                </a:solidFill>
-                <a:latin typeface="Arial"/>
-                <a:ea typeface="Arial"/>
-                <a:cs typeface="Arial"/>
-                <a:sym typeface="Arial"/>
-              </a:defRPr>
-            </a:lvl7pPr>
-            <a:lvl8pPr marR="0" lvl="7" algn="l" rtl="0">
-              <a:lnSpc>
-                <a:spcPct val="100000"/>
-              </a:lnSpc>
-              <a:spcBef>
-                <a:spcPts val="0"/>
-              </a:spcBef>
-              <a:spcAft>
-                <a:spcPts val="0"/>
-              </a:spcAft>
-              <a:buClr>
-                <a:srgbClr val="000000"/>
-              </a:buClr>
-              <a:buFont typeface="Arial"/>
-              <a:defRPr sz="1400" b="0" i="0" u="none" strike="noStrike" cap="none">
-                <a:solidFill>
-                  <a:srgbClr val="000000"/>
-                </a:solidFill>
-                <a:latin typeface="Arial"/>
-                <a:ea typeface="Arial"/>
-                <a:cs typeface="Arial"/>
-                <a:sym typeface="Arial"/>
-              </a:defRPr>
-            </a:lvl8pPr>
-            <a:lvl9pPr marR="0" lvl="8" algn="l" rtl="0">
-              <a:lnSpc>
-                <a:spcPct val="100000"/>
-              </a:lnSpc>
-              <a:spcBef>
-                <a:spcPts val="0"/>
-              </a:spcBef>
-              <a:spcAft>
-                <a:spcPts val="0"/>
-              </a:spcAft>
-              <a:buClr>
-                <a:srgbClr val="000000"/>
-              </a:buClr>
-              <a:buFont typeface="Arial"/>
-              <a:defRPr sz="1400" b="0" i="0" u="none" strike="noStrike" cap="none">
-                <a:solidFill>
-                  <a:srgbClr val="000000"/>
-                </a:solidFill>
-                <a:latin typeface="Arial"/>
-                <a:ea typeface="Arial"/>
-                <a:cs typeface="Arial"/>
-                <a:sym typeface="Arial"/>
-              </a:defRPr>
-            </a:lvl9pPr>
-          </a:lstStyle>
-          <a:p>
-            <a:pPr algn="r" rtl="1">
-              <a:lnSpc>
-                <a:spcPct val="107000"/>
-              </a:lnSpc>
-            </a:pPr>
-            <a:r>
-              <a:rPr lang="en-US" sz="1800" dirty="0">
-                <a:latin typeface="Calibri" panose="020F0502020204030204" pitchFamily="34" charset="0"/>
-                <a:ea typeface="Calibri" panose="020F0502020204030204" pitchFamily="34" charset="0"/>
-                <a:cs typeface="Calibri" panose="020F0502020204030204" pitchFamily="34" charset="0"/>
-              </a:rPr>
-              <a:t>S</a:t>
-            </a:r>
-            <a:endParaRPr lang="he-IL" sz="1800" dirty="0">
-              <a:latin typeface="Calibri" panose="020F0502020204030204" pitchFamily="34" charset="0"/>
-              <a:ea typeface="Calibri" panose="020F0502020204030204" pitchFamily="34" charset="0"/>
-              <a:cs typeface="Calibri" panose="020F0502020204030204" pitchFamily="34" charset="0"/>
-            </a:endParaRPr>
-          </a:p>
-        </p:txBody>
-      </p:sp>
+      </p:pic>
     </p:spTree>
     <p:extLst>
       <p:ext uri="{BB962C8B-B14F-4D97-AF65-F5344CB8AC3E}">
